--- a/Loss Prevention Device (project_01)/docs/Project_2_Proposal.pptx
+++ b/Loss Prevention Device (project_01)/docs/Project_2_Proposal.pptx
@@ -218,7 +218,7 @@
           <a:p>
             <a:fld id="{59041DB8-B66F-4DC8-A96E-33677E0F90FF}" type="datetimeFigureOut">
               <a:rPr lang="en-US" smtClean="0"/>
-              <a:t>11/22/2020</a:t>
+              <a:t>12/6/2020</a:t>
             </a:fld>
             <a:endParaRPr lang="en-US"/>
           </a:p>
@@ -383,7 +383,7 @@
           <a:p>
             <a:fld id="{DEB49C4A-65AC-492D-9701-81B46C3AD0E4}" type="datetimeFigureOut">
               <a:rPr lang="en-US" smtClean="0"/>
-              <a:t>11/22/2020</a:t>
+              <a:t>12/6/2020</a:t>
             </a:fld>
             <a:endParaRPr lang="en-US"/>
           </a:p>
@@ -3189,7 +3189,7 @@
           <a:p>
             <a:fld id="{384A29A4-78C8-47AB-BA06-22CB45938951}" type="datetime1">
               <a:rPr lang="en-US" smtClean="0"/>
-              <a:t>11/22/2020</a:t>
+              <a:t>12/6/2020</a:t>
             </a:fld>
             <a:endParaRPr lang="en-US"/>
           </a:p>
@@ -3384,7 +3384,7 @@
           <a:p>
             <a:fld id="{E1ED4ACF-2D82-46F2-A8E9-23963AA34E86}" type="datetime1">
               <a:rPr lang="en-US" smtClean="0"/>
-              <a:t>11/22/2020</a:t>
+              <a:t>12/6/2020</a:t>
             </a:fld>
             <a:endParaRPr lang="en-US"/>
           </a:p>
@@ -3578,7 +3578,7 @@
           <a:p>
             <a:fld id="{AE374B5B-21A0-4192-BF4C-38187F1A68D8}" type="datetime1">
               <a:rPr lang="en-US" smtClean="0"/>
-              <a:t>11/22/2020</a:t>
+              <a:t>12/6/2020</a:t>
             </a:fld>
             <a:endParaRPr lang="en-US"/>
           </a:p>
@@ -5919,7 +5919,7 @@
           <a:p>
             <a:fld id="{33B5CF7C-B333-48E1-A4A6-83A3C8B73AC0}" type="datetime1">
               <a:rPr lang="en-US" smtClean="0"/>
-              <a:t>11/22/2020</a:t>
+              <a:t>12/6/2020</a:t>
             </a:fld>
             <a:endParaRPr lang="en-US"/>
           </a:p>
@@ -6372,7 +6372,7 @@
           <a:p>
             <a:fld id="{AE320762-5CBF-4210-AB54-376B091119F8}" type="datetime1">
               <a:rPr lang="en-US" smtClean="0"/>
-              <a:t>11/22/2020</a:t>
+              <a:t>12/6/2020</a:t>
             </a:fld>
             <a:endParaRPr lang="en-US"/>
           </a:p>
@@ -6504,7 +6504,7 @@
           <a:p>
             <a:fld id="{7F0DB371-BF5F-4058-A212-1A908E4D2674}" type="datetime1">
               <a:rPr lang="en-US" smtClean="0"/>
-              <a:t>11/22/2020</a:t>
+              <a:t>12/6/2020</a:t>
             </a:fld>
             <a:endParaRPr lang="en-US"/>
           </a:p>
@@ -8437,7 +8437,7 @@
           <a:p>
             <a:fld id="{60A4083B-90AA-48CF-BAD5-00AA24D7F288}" type="datetime1">
               <a:rPr lang="en-US" smtClean="0"/>
-              <a:t>11/22/2020</a:t>
+              <a:t>12/6/2020</a:t>
             </a:fld>
             <a:endParaRPr lang="en-US"/>
           </a:p>
@@ -10696,7 +10696,7 @@
             <a:fld id="{F5BAF629-ECA2-4CF3-B790-9D9BDED98269}" type="datetime1">
               <a:rPr lang="en-US" smtClean="0"/>
               <a:pPr/>
-              <a:t>11/22/2020</a:t>
+              <a:t>12/6/2020</a:t>
             </a:fld>
             <a:endParaRPr lang="en-US"/>
           </a:p>
@@ -14991,7 +14991,7 @@
             <a:fld id="{B51B2453-8663-4C69-AF73-9FD7B1DEC5D0}" type="datetime1">
               <a:rPr lang="en-US" smtClean="0"/>
               <a:pPr/>
-              <a:t>11/22/2020</a:t>
+              <a:t>12/6/2020</a:t>
             </a:fld>
             <a:endParaRPr lang="en-US" dirty="0"/>
           </a:p>
@@ -17624,8 +17624,8 @@
         </p:nvSpPr>
         <p:spPr>
           <a:xfrm>
-            <a:off x="762000" y="1795780"/>
-            <a:ext cx="4876800" cy="2971800"/>
+            <a:off x="990599" y="1418352"/>
+            <a:ext cx="4280399" cy="3839448"/>
           </a:xfrm>
           <a:prstGeom prst="rect">
             <a:avLst/>
@@ -17678,8 +17678,8 @@
         </p:nvSpPr>
         <p:spPr>
           <a:xfrm>
-            <a:off x="6400800" y="1790700"/>
-            <a:ext cx="4876800" cy="2971800"/>
+            <a:off x="6360161" y="1600200"/>
+            <a:ext cx="3393439" cy="3114795"/>
           </a:xfrm>
           <a:prstGeom prst="rect">
             <a:avLst/>
@@ -17714,7 +17714,11 @@
           <a:lstStyle/>
           <a:p>
             <a:pPr algn="ctr"/>
-            <a:endParaRPr lang="en-US"/>
+            <a:endParaRPr lang="en-US" dirty="0">
+              <a:solidFill>
+                <a:schemeClr val="tx1"/>
+              </a:solidFill>
+            </a:endParaRPr>
           </a:p>
         </p:txBody>
       </p:sp>
@@ -17732,7 +17736,7 @@
         </p:nvSpPr>
         <p:spPr>
           <a:xfrm>
-            <a:off x="2590800" y="5143500"/>
+            <a:off x="2590800" y="5630147"/>
             <a:ext cx="979755" cy="369332"/>
           </a:xfrm>
           <a:prstGeom prst="rect">
@@ -17797,13 +17801,15 @@
               </a:ext>
             </a:extLst>
           </p:cNvPr>
-          <p:cNvCxnSpPr/>
+          <p:cNvCxnSpPr>
+            <a:cxnSpLocks/>
+          </p:cNvCxnSpPr>
           <p:nvPr/>
         </p:nvCxnSpPr>
         <p:spPr>
           <a:xfrm>
-            <a:off x="5829300" y="1790700"/>
-            <a:ext cx="0" cy="2971800"/>
+            <a:off x="5638800" y="1790700"/>
+            <a:ext cx="0" cy="3467100"/>
           </a:xfrm>
           <a:prstGeom prst="straightConnector1">
             <a:avLst/>
@@ -17845,8 +17851,8 @@
         </p:nvSpPr>
         <p:spPr>
           <a:xfrm>
-            <a:off x="5822470" y="3085068"/>
-            <a:ext cx="394660" cy="369332"/>
+            <a:off x="5693784" y="3244334"/>
+            <a:ext cx="582211" cy="369332"/>
           </a:xfrm>
           <a:prstGeom prst="rect">
             <a:avLst/>
@@ -17861,7 +17867,7 @@
           <a:p>
             <a:r>
               <a:rPr lang="en-US" dirty="0"/>
-              <a:t>2”</a:t>
+              <a:t>2.5”</a:t>
             </a:r>
           </a:p>
         </p:txBody>
@@ -17875,13 +17881,15 @@
               </a:ext>
             </a:extLst>
           </p:cNvPr>
-          <p:cNvCxnSpPr/>
+          <p:cNvCxnSpPr>
+            <a:cxnSpLocks/>
+          </p:cNvCxnSpPr>
           <p:nvPr/>
         </p:nvCxnSpPr>
         <p:spPr>
           <a:xfrm>
-            <a:off x="762000" y="1600200"/>
-            <a:ext cx="4876800" cy="0"/>
+            <a:off x="979787" y="1326397"/>
+            <a:ext cx="4280399" cy="0"/>
           </a:xfrm>
           <a:prstGeom prst="straightConnector1">
             <a:avLst/>
@@ -17923,7 +17931,7 @@
         </p:nvSpPr>
         <p:spPr>
           <a:xfrm>
-            <a:off x="3003070" y="1249164"/>
+            <a:off x="2992258" y="975361"/>
             <a:ext cx="582211" cy="369332"/>
           </a:xfrm>
           <a:prstGeom prst="rect">
@@ -17939,7 +17947,7 @@
           <a:p>
             <a:r>
               <a:rPr lang="en-US" dirty="0"/>
-              <a:t>2.5”</a:t>
+              <a:t>2.1”</a:t>
             </a:r>
           </a:p>
         </p:txBody>
@@ -17957,9 +17965,9 @@
           <p:nvPr/>
         </p:nvSpPr>
         <p:spPr>
-          <a:xfrm>
-            <a:off x="7124700" y="2476500"/>
-            <a:ext cx="3162300" cy="1676400"/>
+          <a:xfrm rot="16200000">
+            <a:off x="6040807" y="2619771"/>
+            <a:ext cx="2452131" cy="1299925"/>
           </a:xfrm>
           <a:prstGeom prst="rect">
             <a:avLst/>
@@ -18105,7 +18113,7 @@
         </p:nvSpPr>
         <p:spPr>
           <a:xfrm>
-            <a:off x="3570555" y="1976121"/>
+            <a:off x="3268638" y="1942068"/>
             <a:ext cx="1153845" cy="2286000"/>
           </a:xfrm>
           <a:prstGeom prst="roundRect">
@@ -18136,41 +18144,6 @@
             <a:r>
               <a:rPr lang="en-US" dirty="0"/>
               <a:t>BT</a:t>
-            </a:r>
-          </a:p>
-        </p:txBody>
-      </p:sp>
-      <p:sp>
-        <p:nvSpPr>
-          <p:cNvPr id="20" name="TextBox 19">
-            <a:extLst>
-              <a:ext uri="{FF2B5EF4-FFF2-40B4-BE49-F238E27FC236}">
-                <a16:creationId xmlns:a16="http://schemas.microsoft.com/office/drawing/2014/main" id="{2A5DFCD6-0E5D-456E-B062-6AC8C416DC83}"/>
-              </a:ext>
-            </a:extLst>
-          </p:cNvPr>
-          <p:cNvSpPr txBox="1"/>
-          <p:nvPr/>
-        </p:nvSpPr>
-        <p:spPr>
-          <a:xfrm rot="16200000">
-            <a:off x="9732870" y="3091933"/>
-            <a:ext cx="659155" cy="369332"/>
-          </a:xfrm>
-          <a:prstGeom prst="rect">
-            <a:avLst/>
-          </a:prstGeom>
-          <a:noFill/>
-        </p:spPr>
-        <p:txBody>
-          <a:bodyPr wrap="none" rtlCol="0">
-            <a:spAutoFit/>
-          </a:bodyPr>
-          <a:lstStyle/>
-          <a:p>
-            <a:r>
-              <a:rPr lang="en-US" dirty="0"/>
-              <a:t>USB</a:t>
             </a:r>
           </a:p>
         </p:txBody>
@@ -18224,7 +18197,7 @@
         </p:nvCxnSpPr>
         <p:spPr>
           <a:xfrm>
-            <a:off x="1099819" y="4953000"/>
+            <a:off x="1099819" y="5439647"/>
             <a:ext cx="1316169" cy="0"/>
           </a:xfrm>
           <a:prstGeom prst="straightConnector1">
@@ -18267,7 +18240,7 @@
         </p:nvSpPr>
         <p:spPr>
           <a:xfrm>
-            <a:off x="1502635" y="4958834"/>
+            <a:off x="1502635" y="5445481"/>
             <a:ext cx="524503" cy="369332"/>
           </a:xfrm>
           <a:prstGeom prst="rect">
@@ -18458,7 +18431,7 @@
         </p:nvSpPr>
         <p:spPr>
           <a:xfrm>
-            <a:off x="3786641" y="4414282"/>
+            <a:off x="3484724" y="4380229"/>
             <a:ext cx="721672" cy="369332"/>
           </a:xfrm>
           <a:prstGeom prst="rect">
@@ -18493,7 +18466,7 @@
         </p:nvCxnSpPr>
         <p:spPr>
           <a:xfrm>
-            <a:off x="3585281" y="4414282"/>
+            <a:off x="3283364" y="4380229"/>
             <a:ext cx="1139119" cy="0"/>
           </a:xfrm>
           <a:prstGeom prst="straightConnector1">
@@ -18536,7 +18509,7 @@
         </p:nvCxnSpPr>
         <p:spPr>
           <a:xfrm>
-            <a:off x="4876800" y="1984562"/>
+            <a:off x="4574883" y="1950509"/>
             <a:ext cx="0" cy="2277559"/>
           </a:xfrm>
           <a:prstGeom prst="straightConnector1">
@@ -18579,7 +18552,7 @@
         </p:nvSpPr>
         <p:spPr>
           <a:xfrm>
-            <a:off x="4851244" y="2988282"/>
+            <a:off x="4549327" y="2954229"/>
             <a:ext cx="721672" cy="369332"/>
           </a:xfrm>
           <a:prstGeom prst="rect">
@@ -18596,6 +18569,196 @@
             <a:r>
               <a:rPr lang="en-US" dirty="0"/>
               <a:t>~1.7”</a:t>
+            </a:r>
+          </a:p>
+        </p:txBody>
+      </p:sp>
+      <p:cxnSp>
+        <p:nvCxnSpPr>
+          <p:cNvPr id="22" name="Straight Arrow Connector 21">
+            <a:extLst>
+              <a:ext uri="{FF2B5EF4-FFF2-40B4-BE49-F238E27FC236}">
+                <a16:creationId xmlns:a16="http://schemas.microsoft.com/office/drawing/2014/main" id="{89B14955-D967-48E1-BE0F-CD7A2B7C9E7C}"/>
+              </a:ext>
+            </a:extLst>
+          </p:cNvPr>
+          <p:cNvCxnSpPr/>
+          <p:nvPr/>
+        </p:nvCxnSpPr>
+        <p:spPr>
+          <a:xfrm>
+            <a:off x="8153400" y="2043668"/>
+            <a:ext cx="0" cy="2452131"/>
+          </a:xfrm>
+          <a:prstGeom prst="straightConnector1">
+            <a:avLst/>
+          </a:prstGeom>
+          <a:ln>
+            <a:headEnd type="triangle"/>
+            <a:tailEnd type="triangle"/>
+          </a:ln>
+        </p:spPr>
+        <p:style>
+          <a:lnRef idx="1">
+            <a:schemeClr val="dk1"/>
+          </a:lnRef>
+          <a:fillRef idx="0">
+            <a:schemeClr val="dk1"/>
+          </a:fillRef>
+          <a:effectRef idx="0">
+            <a:schemeClr val="dk1"/>
+          </a:effectRef>
+          <a:fontRef idx="minor">
+            <a:schemeClr val="tx1"/>
+          </a:fontRef>
+        </p:style>
+      </p:cxnSp>
+      <p:sp>
+        <p:nvSpPr>
+          <p:cNvPr id="34" name="TextBox 33">
+            <a:extLst>
+              <a:ext uri="{FF2B5EF4-FFF2-40B4-BE49-F238E27FC236}">
+                <a16:creationId xmlns:a16="http://schemas.microsoft.com/office/drawing/2014/main" id="{601A67A6-9772-4F69-A531-2D10445465E3}"/>
+              </a:ext>
+            </a:extLst>
+          </p:cNvPr>
+          <p:cNvSpPr txBox="1"/>
+          <p:nvPr/>
+        </p:nvSpPr>
+        <p:spPr>
+          <a:xfrm>
+            <a:off x="8185077" y="3091934"/>
+            <a:ext cx="710451" cy="369332"/>
+          </a:xfrm>
+          <a:prstGeom prst="rect">
+            <a:avLst/>
+          </a:prstGeom>
+          <a:noFill/>
+        </p:spPr>
+        <p:txBody>
+          <a:bodyPr wrap="none" rtlCol="0">
+            <a:spAutoFit/>
+          </a:bodyPr>
+          <a:lstStyle/>
+          <a:p>
+            <a:r>
+              <a:rPr lang="en-US" dirty="0"/>
+              <a:t>2.21”</a:t>
+            </a:r>
+          </a:p>
+        </p:txBody>
+      </p:sp>
+      <p:cxnSp>
+        <p:nvCxnSpPr>
+          <p:cNvPr id="37" name="Straight Arrow Connector 36">
+            <a:extLst>
+              <a:ext uri="{FF2B5EF4-FFF2-40B4-BE49-F238E27FC236}">
+                <a16:creationId xmlns:a16="http://schemas.microsoft.com/office/drawing/2014/main" id="{4266C327-BF62-49D4-80C1-94F6683F0B8E}"/>
+              </a:ext>
+            </a:extLst>
+          </p:cNvPr>
+          <p:cNvCxnSpPr>
+            <a:cxnSpLocks/>
+          </p:cNvCxnSpPr>
+          <p:nvPr/>
+        </p:nvCxnSpPr>
+        <p:spPr>
+          <a:xfrm>
+            <a:off x="6616910" y="1942068"/>
+            <a:ext cx="1299925" cy="8441"/>
+          </a:xfrm>
+          <a:prstGeom prst="straightConnector1">
+            <a:avLst/>
+          </a:prstGeom>
+          <a:ln>
+            <a:solidFill>
+              <a:schemeClr val="tx1"/>
+            </a:solidFill>
+            <a:headEnd type="triangle"/>
+            <a:tailEnd type="triangle"/>
+          </a:ln>
+        </p:spPr>
+        <p:style>
+          <a:lnRef idx="1">
+            <a:schemeClr val="accent1"/>
+          </a:lnRef>
+          <a:fillRef idx="0">
+            <a:schemeClr val="accent1"/>
+          </a:fillRef>
+          <a:effectRef idx="0">
+            <a:schemeClr val="accent1"/>
+          </a:effectRef>
+          <a:fontRef idx="minor">
+            <a:schemeClr val="tx1"/>
+          </a:fontRef>
+        </p:style>
+      </p:cxnSp>
+      <p:sp>
+        <p:nvSpPr>
+          <p:cNvPr id="38" name="TextBox 37">
+            <a:extLst>
+              <a:ext uri="{FF2B5EF4-FFF2-40B4-BE49-F238E27FC236}">
+                <a16:creationId xmlns:a16="http://schemas.microsoft.com/office/drawing/2014/main" id="{B1228D94-1B65-4AB3-A620-6C8408E74907}"/>
+              </a:ext>
+            </a:extLst>
+          </p:cNvPr>
+          <p:cNvSpPr txBox="1"/>
+          <p:nvPr/>
+        </p:nvSpPr>
+        <p:spPr>
+          <a:xfrm>
+            <a:off x="6929121" y="1615230"/>
+            <a:ext cx="710451" cy="369332"/>
+          </a:xfrm>
+          <a:prstGeom prst="rect">
+            <a:avLst/>
+          </a:prstGeom>
+          <a:noFill/>
+        </p:spPr>
+        <p:txBody>
+          <a:bodyPr wrap="none" rtlCol="0">
+            <a:spAutoFit/>
+          </a:bodyPr>
+          <a:lstStyle/>
+          <a:p>
+            <a:r>
+              <a:rPr lang="en-US" dirty="0"/>
+              <a:t>1.38”</a:t>
+            </a:r>
+          </a:p>
+        </p:txBody>
+      </p:sp>
+      <p:sp>
+        <p:nvSpPr>
+          <p:cNvPr id="39" name="TextBox 38">
+            <a:extLst>
+              <a:ext uri="{FF2B5EF4-FFF2-40B4-BE49-F238E27FC236}">
+                <a16:creationId xmlns:a16="http://schemas.microsoft.com/office/drawing/2014/main" id="{7D1BA98E-FB0D-49B2-8CA5-AB01A17DEE70}"/>
+              </a:ext>
+            </a:extLst>
+          </p:cNvPr>
+          <p:cNvSpPr txBox="1"/>
+          <p:nvPr/>
+        </p:nvSpPr>
+        <p:spPr>
+          <a:xfrm>
+            <a:off x="10348338" y="2075963"/>
+            <a:ext cx="1486315" cy="3139321"/>
+          </a:xfrm>
+          <a:prstGeom prst="rect">
+            <a:avLst/>
+          </a:prstGeom>
+          <a:noFill/>
+        </p:spPr>
+        <p:txBody>
+          <a:bodyPr wrap="square" rtlCol="0">
+            <a:spAutoFit/>
+          </a:bodyPr>
+          <a:lstStyle/>
+          <a:p>
+            <a:r>
+              <a:rPr lang="en-US" dirty="0"/>
+              <a:t>The GPS and the USB will be on the same area as the PB, the USB port will line up with the pocket beagle USB port.</a:t>
             </a:r>
           </a:p>
         </p:txBody>
